--- a/Slide_Deck/Capstone Intro.pptx
+++ b/Slide_Deck/Capstone Intro.pptx
@@ -12,6 +12,7 @@
     <p:sldId id="260" r:id="rId6"/>
     <p:sldId id="262" r:id="rId7"/>
     <p:sldId id="261" r:id="rId8"/>
+    <p:sldId id="263" r:id="rId9"/>
   </p:sldIdLst>
   <p:sldSz cx="12192000" cy="6858000"/>
   <p:notesSz cx="6858000" cy="9144000"/>
@@ -249,7 +250,7 @@
           <a:p>
             <a:fld id="{2177C2A5-2EDB-4DC4-8149-B8DFB904BAA9}" type="datetimeFigureOut">
               <a:rPr lang="en-IN" smtClean="0"/>
-              <a:t>07-08-2020</a:t>
+              <a:t>08-10-2020</a:t>
             </a:fld>
             <a:endParaRPr lang="en-IN"/>
           </a:p>
@@ -419,7 +420,7 @@
           <a:p>
             <a:fld id="{2177C2A5-2EDB-4DC4-8149-B8DFB904BAA9}" type="datetimeFigureOut">
               <a:rPr lang="en-IN" smtClean="0"/>
-              <a:t>07-08-2020</a:t>
+              <a:t>08-10-2020</a:t>
             </a:fld>
             <a:endParaRPr lang="en-IN"/>
           </a:p>
@@ -599,7 +600,7 @@
           <a:p>
             <a:fld id="{2177C2A5-2EDB-4DC4-8149-B8DFB904BAA9}" type="datetimeFigureOut">
               <a:rPr lang="en-IN" smtClean="0"/>
-              <a:t>07-08-2020</a:t>
+              <a:t>08-10-2020</a:t>
             </a:fld>
             <a:endParaRPr lang="en-IN"/>
           </a:p>
@@ -769,7 +770,7 @@
           <a:p>
             <a:fld id="{2177C2A5-2EDB-4DC4-8149-B8DFB904BAA9}" type="datetimeFigureOut">
               <a:rPr lang="en-IN" smtClean="0"/>
-              <a:t>07-08-2020</a:t>
+              <a:t>08-10-2020</a:t>
             </a:fld>
             <a:endParaRPr lang="en-IN"/>
           </a:p>
@@ -1015,7 +1016,7 @@
           <a:p>
             <a:fld id="{2177C2A5-2EDB-4DC4-8149-B8DFB904BAA9}" type="datetimeFigureOut">
               <a:rPr lang="en-IN" smtClean="0"/>
-              <a:t>07-08-2020</a:t>
+              <a:t>08-10-2020</a:t>
             </a:fld>
             <a:endParaRPr lang="en-IN"/>
           </a:p>
@@ -1247,7 +1248,7 @@
           <a:p>
             <a:fld id="{2177C2A5-2EDB-4DC4-8149-B8DFB904BAA9}" type="datetimeFigureOut">
               <a:rPr lang="en-IN" smtClean="0"/>
-              <a:t>07-08-2020</a:t>
+              <a:t>08-10-2020</a:t>
             </a:fld>
             <a:endParaRPr lang="en-IN"/>
           </a:p>
@@ -1614,7 +1615,7 @@
           <a:p>
             <a:fld id="{2177C2A5-2EDB-4DC4-8149-B8DFB904BAA9}" type="datetimeFigureOut">
               <a:rPr lang="en-IN" smtClean="0"/>
-              <a:t>07-08-2020</a:t>
+              <a:t>08-10-2020</a:t>
             </a:fld>
             <a:endParaRPr lang="en-IN"/>
           </a:p>
@@ -1732,7 +1733,7 @@
           <a:p>
             <a:fld id="{2177C2A5-2EDB-4DC4-8149-B8DFB904BAA9}" type="datetimeFigureOut">
               <a:rPr lang="en-IN" smtClean="0"/>
-              <a:t>07-08-2020</a:t>
+              <a:t>08-10-2020</a:t>
             </a:fld>
             <a:endParaRPr lang="en-IN"/>
           </a:p>
@@ -1827,7 +1828,7 @@
           <a:p>
             <a:fld id="{2177C2A5-2EDB-4DC4-8149-B8DFB904BAA9}" type="datetimeFigureOut">
               <a:rPr lang="en-IN" smtClean="0"/>
-              <a:t>07-08-2020</a:t>
+              <a:t>08-10-2020</a:t>
             </a:fld>
             <a:endParaRPr lang="en-IN"/>
           </a:p>
@@ -2104,7 +2105,7 @@
           <a:p>
             <a:fld id="{2177C2A5-2EDB-4DC4-8149-B8DFB904BAA9}" type="datetimeFigureOut">
               <a:rPr lang="en-IN" smtClean="0"/>
-              <a:t>07-08-2020</a:t>
+              <a:t>08-10-2020</a:t>
             </a:fld>
             <a:endParaRPr lang="en-IN"/>
           </a:p>
@@ -2357,7 +2358,7 @@
           <a:p>
             <a:fld id="{2177C2A5-2EDB-4DC4-8149-B8DFB904BAA9}" type="datetimeFigureOut">
               <a:rPr lang="en-IN" smtClean="0"/>
-              <a:t>07-08-2020</a:t>
+              <a:t>08-10-2020</a:t>
             </a:fld>
             <a:endParaRPr lang="en-IN"/>
           </a:p>
@@ -2570,7 +2571,7 @@
           <a:p>
             <a:fld id="{2177C2A5-2EDB-4DC4-8149-B8DFB904BAA9}" type="datetimeFigureOut">
               <a:rPr lang="en-IN" smtClean="0"/>
-              <a:t>07-08-2020</a:t>
+              <a:t>08-10-2020</a:t>
             </a:fld>
             <a:endParaRPr lang="en-IN"/>
           </a:p>
@@ -3569,6 +3570,38 @@
           </a:p>
         </p:txBody>
       </p:sp>
+      <p:sp>
+        <p:nvSpPr>
+          <p:cNvPr id="3" name="Rectangle 2"/>
+          <p:cNvSpPr/>
+          <p:nvPr/>
+        </p:nvSpPr>
+        <p:spPr>
+          <a:xfrm>
+            <a:off x="838200" y="492588"/>
+            <a:ext cx="4971233" cy="584775"/>
+          </a:xfrm>
+          <a:prstGeom prst="rect">
+            <a:avLst/>
+          </a:prstGeom>
+        </p:spPr>
+        <p:txBody>
+          <a:bodyPr wrap="none">
+            <a:spAutoFit/>
+          </a:bodyPr>
+          <a:lstStyle/>
+          <a:p>
+            <a:r>
+              <a:rPr lang="en-IN" sz="3200" b="1" dirty="0" smtClean="0">
+                <a:latin typeface="Times New Roman" panose="02020603050405020304" pitchFamily="18" charset="0"/>
+                <a:cs typeface="Times New Roman" panose="02020603050405020304" pitchFamily="18" charset="0"/>
+              </a:rPr>
+              <a:t>Maintenance - Comparison</a:t>
+            </a:r>
+            <a:endParaRPr lang="en-IN" sz="3200" b="1" dirty="0"/>
+          </a:p>
+        </p:txBody>
+      </p:sp>
     </p:spTree>
     <p:extLst>
       <p:ext uri="{BB962C8B-B14F-4D97-AF65-F5344CB8AC3E}">
@@ -3619,7 +3652,14 @@
                 <a:latin typeface="Times New Roman" panose="02020603050405020304" pitchFamily="18" charset="0"/>
                 <a:cs typeface="Times New Roman" panose="02020603050405020304" pitchFamily="18" charset="0"/>
               </a:rPr>
-              <a:t>Predictive Maintenance</a:t>
+              <a:t>Predictive </a:t>
+            </a:r>
+            <a:r>
+              <a:rPr lang="en-IN" dirty="0" smtClean="0">
+                <a:latin typeface="Times New Roman" panose="02020603050405020304" pitchFamily="18" charset="0"/>
+                <a:cs typeface="Times New Roman" panose="02020603050405020304" pitchFamily="18" charset="0"/>
+              </a:rPr>
+              <a:t>Maintenance – Implementation</a:t>
             </a:r>
             <a:endParaRPr lang="en-IN" dirty="0">
               <a:latin typeface="Times New Roman" panose="02020603050405020304" pitchFamily="18" charset="0"/>
@@ -3832,17 +3872,19 @@
         </p:nvSpPr>
         <p:spPr/>
         <p:txBody>
-          <a:bodyPr/>
-          <a:lstStyle/>
-          <a:p>
-            <a:r>
-              <a:rPr lang="en-IN" dirty="0" smtClean="0">
-                <a:latin typeface="Times New Roman" panose="02020603050405020304" pitchFamily="18" charset="0"/>
-                <a:cs typeface="Times New Roman" panose="02020603050405020304" pitchFamily="18" charset="0"/>
-              </a:rPr>
-              <a:t>AI Techniques for Predictive Maintenance</a:t>
-            </a:r>
-            <a:endParaRPr lang="en-IN" dirty="0">
+          <a:bodyPr>
+            <a:normAutofit/>
+          </a:bodyPr>
+          <a:lstStyle/>
+          <a:p>
+            <a:r>
+              <a:rPr lang="en-IN" sz="3600" b="1" dirty="0" smtClean="0">
+                <a:latin typeface="Times New Roman" panose="02020603050405020304" pitchFamily="18" charset="0"/>
+                <a:cs typeface="Times New Roman" panose="02020603050405020304" pitchFamily="18" charset="0"/>
+              </a:rPr>
+              <a:t>Proposed Techniques</a:t>
+            </a:r>
+            <a:endParaRPr lang="en-IN" sz="3600" b="1" dirty="0">
               <a:latin typeface="Times New Roman" panose="02020603050405020304" pitchFamily="18" charset="0"/>
               <a:cs typeface="Times New Roman" panose="02020603050405020304" pitchFamily="18" charset="0"/>
             </a:endParaRPr>
@@ -3896,22 +3938,22 @@
                 <a:latin typeface="Times New Roman" panose="02020603050405020304" pitchFamily="18" charset="0"/>
                 <a:cs typeface="Times New Roman" panose="02020603050405020304" pitchFamily="18" charset="0"/>
               </a:rPr>
-              <a:t>possibility of failure </a:t>
-            </a:r>
-            <a:r>
-              <a:rPr lang="en-US" dirty="0">
-                <a:latin typeface="Times New Roman" panose="02020603050405020304" pitchFamily="18" charset="0"/>
-                <a:cs typeface="Times New Roman" panose="02020603050405020304" pitchFamily="18" charset="0"/>
-              </a:rPr>
-              <a:t>in </a:t>
+              <a:t>possibility of </a:t>
             </a:r>
             <a:r>
               <a:rPr lang="en-US" dirty="0" smtClean="0">
-                <a:latin typeface="Times New Roman" panose="02020603050405020304" pitchFamily="18" charset="0"/>
-                <a:cs typeface="Times New Roman" panose="02020603050405020304" pitchFamily="18" charset="0"/>
-              </a:rPr>
-              <a:t>next few time period</a:t>
-            </a:r>
+                <a:solidFill>
+                  <a:srgbClr val="0070C0"/>
+                </a:solidFill>
+                <a:latin typeface="Times New Roman" panose="02020603050405020304" pitchFamily="18" charset="0"/>
+                <a:cs typeface="Times New Roman" panose="02020603050405020304" pitchFamily="18" charset="0"/>
+              </a:rPr>
+              <a:t>failure (Anomaly)</a:t>
+            </a:r>
+            <a:endParaRPr lang="en-US" dirty="0" smtClean="0">
+              <a:latin typeface="Times New Roman" panose="02020603050405020304" pitchFamily="18" charset="0"/>
+              <a:cs typeface="Times New Roman" panose="02020603050405020304" pitchFamily="18" charset="0"/>
+            </a:endParaRPr>
           </a:p>
           <a:p>
             <a:pPr lvl="1"/>
@@ -4254,10 +4296,16 @@
           <a:lstStyle/>
           <a:p>
             <a:r>
-              <a:rPr lang="en-IN" dirty="0" smtClean="0"/>
+              <a:rPr lang="en-IN" dirty="0" smtClean="0">
+                <a:latin typeface="Times New Roman" panose="02020603050405020304" pitchFamily="18" charset="0"/>
+                <a:cs typeface="Times New Roman" panose="02020603050405020304" pitchFamily="18" charset="0"/>
+              </a:rPr>
               <a:t>Dataset </a:t>
             </a:r>
-            <a:endParaRPr lang="en-IN" dirty="0"/>
+            <a:endParaRPr lang="en-IN" dirty="0">
+              <a:latin typeface="Times New Roman" panose="02020603050405020304" pitchFamily="18" charset="0"/>
+              <a:cs typeface="Times New Roman" panose="02020603050405020304" pitchFamily="18" charset="0"/>
+            </a:endParaRPr>
           </a:p>
         </p:txBody>
       </p:sp>
@@ -4277,44 +4325,67 @@
           <a:lstStyle/>
           <a:p>
             <a:r>
-              <a:rPr lang="en-IN" dirty="0" smtClean="0"/>
-              <a:t>NASA Turbofan </a:t>
-            </a:r>
-            <a:r>
-              <a:rPr lang="en-IN" dirty="0"/>
-              <a:t>Engine Degradation Simulation Data Set</a:t>
-            </a:r>
-            <a:endParaRPr lang="en-IN" dirty="0" smtClean="0"/>
-          </a:p>
-          <a:p>
-            <a:r>
-              <a:rPr lang="en-IN" dirty="0" smtClean="0"/>
+              <a:rPr lang="en-IN" dirty="0" smtClean="0">
+                <a:latin typeface="Times New Roman" panose="02020603050405020304" pitchFamily="18" charset="0"/>
+                <a:cs typeface="Times New Roman" panose="02020603050405020304" pitchFamily="18" charset="0"/>
+              </a:rPr>
               <a:t>NASA </a:t>
             </a:r>
             <a:r>
-              <a:rPr lang="en-IN" dirty="0"/>
-              <a:t>Bearing Data </a:t>
-            </a:r>
-            <a:r>
-              <a:rPr lang="en-IN" dirty="0" smtClean="0"/>
+              <a:rPr lang="en-IN" dirty="0" smtClean="0">
+                <a:latin typeface="Times New Roman" panose="02020603050405020304" pitchFamily="18" charset="0"/>
+                <a:cs typeface="Times New Roman" panose="02020603050405020304" pitchFamily="18" charset="0"/>
+              </a:rPr>
+              <a:t>– IMS </a:t>
+            </a:r>
+            <a:r>
+              <a:rPr lang="en-IN" dirty="0" smtClean="0">
+                <a:latin typeface="Times New Roman" panose="02020603050405020304" pitchFamily="18" charset="0"/>
+                <a:cs typeface="Times New Roman" panose="02020603050405020304" pitchFamily="18" charset="0"/>
+              </a:rPr>
+              <a:t>Bearing </a:t>
+            </a:r>
+            <a:r>
+              <a:rPr lang="en-IN" dirty="0">
+                <a:latin typeface="Times New Roman" panose="02020603050405020304" pitchFamily="18" charset="0"/>
+                <a:cs typeface="Times New Roman" panose="02020603050405020304" pitchFamily="18" charset="0"/>
+              </a:rPr>
+              <a:t>Data </a:t>
+            </a:r>
+            <a:r>
+              <a:rPr lang="en-IN" dirty="0" smtClean="0">
+                <a:latin typeface="Times New Roman" panose="02020603050405020304" pitchFamily="18" charset="0"/>
+                <a:cs typeface="Times New Roman" panose="02020603050405020304" pitchFamily="18" charset="0"/>
+              </a:rPr>
               <a:t>Set</a:t>
             </a:r>
           </a:p>
           <a:p>
-            <a:endParaRPr lang="en-IN" dirty="0"/>
-          </a:p>
-          <a:p>
-            <a:r>
-              <a:rPr lang="en-IN" dirty="0" smtClean="0"/>
+            <a:endParaRPr lang="en-IN" dirty="0">
+              <a:latin typeface="Times New Roman" panose="02020603050405020304" pitchFamily="18" charset="0"/>
+              <a:cs typeface="Times New Roman" panose="02020603050405020304" pitchFamily="18" charset="0"/>
+            </a:endParaRPr>
+          </a:p>
+          <a:p>
+            <a:r>
+              <a:rPr lang="en-IN" dirty="0" smtClean="0">
+                <a:latin typeface="Times New Roman" panose="02020603050405020304" pitchFamily="18" charset="0"/>
+                <a:cs typeface="Times New Roman" panose="02020603050405020304" pitchFamily="18" charset="0"/>
+              </a:rPr>
               <a:t>Link: </a:t>
             </a:r>
             <a:r>
               <a:rPr lang="en-IN" dirty="0">
+                <a:latin typeface="Times New Roman" panose="02020603050405020304" pitchFamily="18" charset="0"/>
+                <a:cs typeface="Times New Roman" panose="02020603050405020304" pitchFamily="18" charset="0"/>
                 <a:hlinkClick r:id="rId2"/>
               </a:rPr>
               <a:t>https://ti.arc.nasa.gov/tech/dash/groups/pcoe/prognostic-data-repository/</a:t>
             </a:r>
-            <a:endParaRPr lang="en-IN" dirty="0" smtClean="0"/>
+            <a:endParaRPr lang="en-IN" dirty="0" smtClean="0">
+              <a:latin typeface="Times New Roman" panose="02020603050405020304" pitchFamily="18" charset="0"/>
+              <a:cs typeface="Times New Roman" panose="02020603050405020304" pitchFamily="18" charset="0"/>
+            </a:endParaRPr>
           </a:p>
         </p:txBody>
       </p:sp>
@@ -4322,6 +4393,709 @@
     <p:extLst>
       <p:ext uri="{BB962C8B-B14F-4D97-AF65-F5344CB8AC3E}">
         <p14:creationId xmlns:p14="http://schemas.microsoft.com/office/powerpoint/2010/main" val="1136454953"/>
+      </p:ext>
+    </p:extLst>
+  </p:cSld>
+  <p:clrMapOvr>
+    <a:masterClrMapping/>
+  </p:clrMapOvr>
+</p:sld>
+</file>
+
+<file path=ppt/slides/slide8.xml><?xml version="1.0" encoding="utf-8"?>
+<p:sld xmlns:a="http://schemas.openxmlformats.org/drawingml/2006/main" xmlns:r="http://schemas.openxmlformats.org/officeDocument/2006/relationships" xmlns:p="http://schemas.openxmlformats.org/presentationml/2006/main">
+  <p:cSld>
+    <p:spTree>
+      <p:nvGrpSpPr>
+        <p:cNvPr id="1" name=""/>
+        <p:cNvGrpSpPr/>
+        <p:nvPr/>
+      </p:nvGrpSpPr>
+      <p:grpSpPr>
+        <a:xfrm>
+          <a:off x="0" y="0"/>
+          <a:ext cx="0" cy="0"/>
+          <a:chOff x="0" y="0"/>
+          <a:chExt cx="0" cy="0"/>
+        </a:xfrm>
+      </p:grpSpPr>
+      <p:sp>
+        <p:nvSpPr>
+          <p:cNvPr id="2" name="Title 1"/>
+          <p:cNvSpPr>
+            <a:spLocks noGrp="1"/>
+          </p:cNvSpPr>
+          <p:nvPr>
+            <p:ph type="title"/>
+          </p:nvPr>
+        </p:nvSpPr>
+        <p:spPr>
+          <a:xfrm>
+            <a:off x="838200" y="-76914"/>
+            <a:ext cx="10515600" cy="1325563"/>
+          </a:xfrm>
+        </p:spPr>
+        <p:txBody>
+          <a:bodyPr/>
+          <a:lstStyle/>
+          <a:p>
+            <a:r>
+              <a:rPr lang="en-IN" b="1" dirty="0" smtClean="0">
+                <a:latin typeface="Times New Roman" panose="02020603050405020304" pitchFamily="18" charset="0"/>
+                <a:cs typeface="Times New Roman" panose="02020603050405020304" pitchFamily="18" charset="0"/>
+              </a:rPr>
+              <a:t>Deliverables</a:t>
+            </a:r>
+            <a:r>
+              <a:rPr lang="en-IN" dirty="0" smtClean="0">
+                <a:latin typeface="Times New Roman" panose="02020603050405020304" pitchFamily="18" charset="0"/>
+                <a:cs typeface="Times New Roman" panose="02020603050405020304" pitchFamily="18" charset="0"/>
+              </a:rPr>
+              <a:t> </a:t>
+            </a:r>
+            <a:endParaRPr lang="en-IN" dirty="0">
+              <a:latin typeface="Times New Roman" panose="02020603050405020304" pitchFamily="18" charset="0"/>
+              <a:cs typeface="Times New Roman" panose="02020603050405020304" pitchFamily="18" charset="0"/>
+            </a:endParaRPr>
+          </a:p>
+        </p:txBody>
+      </p:sp>
+      <p:sp>
+        <p:nvSpPr>
+          <p:cNvPr id="3" name="Content Placeholder 2"/>
+          <p:cNvSpPr>
+            <a:spLocks noGrp="1"/>
+          </p:cNvSpPr>
+          <p:nvPr>
+            <p:ph idx="1"/>
+          </p:nvPr>
+        </p:nvSpPr>
+        <p:spPr>
+          <a:xfrm>
+            <a:off x="838200" y="957126"/>
+            <a:ext cx="10515600" cy="4989098"/>
+          </a:xfrm>
+        </p:spPr>
+        <p:txBody>
+          <a:bodyPr/>
+          <a:lstStyle/>
+          <a:p>
+            <a:r>
+              <a:rPr lang="en-US" dirty="0" smtClean="0">
+                <a:latin typeface="Times New Roman" panose="02020603050405020304" pitchFamily="18" charset="0"/>
+                <a:cs typeface="Times New Roman" panose="02020603050405020304" pitchFamily="18" charset="0"/>
+              </a:rPr>
+              <a:t>Anomaly Detection</a:t>
+            </a:r>
+          </a:p>
+          <a:p>
+            <a:pPr lvl="1"/>
+            <a:r>
+              <a:rPr lang="en-US" dirty="0" smtClean="0">
+                <a:latin typeface="Times New Roman" panose="02020603050405020304" pitchFamily="18" charset="0"/>
+                <a:cs typeface="Times New Roman" panose="02020603050405020304" pitchFamily="18" charset="0"/>
+              </a:rPr>
+              <a:t>Univariate</a:t>
+            </a:r>
+          </a:p>
+          <a:p>
+            <a:pPr lvl="2"/>
+            <a:r>
+              <a:rPr lang="en-US" dirty="0" smtClean="0">
+                <a:latin typeface="Times New Roman" panose="02020603050405020304" pitchFamily="18" charset="0"/>
+                <a:cs typeface="Times New Roman" panose="02020603050405020304" pitchFamily="18" charset="0"/>
+              </a:rPr>
+              <a:t>User Input: Either RMS Value or Mean Value of 1 sec Vibration Signal of 1 Bearing</a:t>
+            </a:r>
+          </a:p>
+          <a:p>
+            <a:pPr lvl="2"/>
+            <a:r>
+              <a:rPr lang="en-US" dirty="0" smtClean="0">
+                <a:latin typeface="Times New Roman" panose="02020603050405020304" pitchFamily="18" charset="0"/>
+                <a:cs typeface="Times New Roman" panose="02020603050405020304" pitchFamily="18" charset="0"/>
+              </a:rPr>
+              <a:t>Output: Whether that test point is Normal or Anomaly</a:t>
+            </a:r>
+          </a:p>
+          <a:p>
+            <a:pPr lvl="1"/>
+            <a:r>
+              <a:rPr lang="en-US" dirty="0" smtClean="0">
+                <a:latin typeface="Times New Roman" panose="02020603050405020304" pitchFamily="18" charset="0"/>
+                <a:cs typeface="Times New Roman" panose="02020603050405020304" pitchFamily="18" charset="0"/>
+              </a:rPr>
+              <a:t>Multivariate</a:t>
+            </a:r>
+          </a:p>
+          <a:p>
+            <a:pPr lvl="2"/>
+            <a:r>
+              <a:rPr lang="en-US" dirty="0">
+                <a:latin typeface="Times New Roman" panose="02020603050405020304" pitchFamily="18" charset="0"/>
+                <a:cs typeface="Times New Roman" panose="02020603050405020304" pitchFamily="18" charset="0"/>
+              </a:rPr>
+              <a:t>User Input: </a:t>
+            </a:r>
+            <a:r>
+              <a:rPr lang="en-US" dirty="0" smtClean="0">
+                <a:latin typeface="Times New Roman" panose="02020603050405020304" pitchFamily="18" charset="0"/>
+                <a:cs typeface="Times New Roman" panose="02020603050405020304" pitchFamily="18" charset="0"/>
+              </a:rPr>
+              <a:t>Mean </a:t>
+            </a:r>
+            <a:r>
+              <a:rPr lang="en-US" dirty="0">
+                <a:latin typeface="Times New Roman" panose="02020603050405020304" pitchFamily="18" charset="0"/>
+                <a:cs typeface="Times New Roman" panose="02020603050405020304" pitchFamily="18" charset="0"/>
+              </a:rPr>
+              <a:t>Value of 1 sec Vibration Signal of 4</a:t>
+            </a:r>
+            <a:r>
+              <a:rPr lang="en-US" dirty="0" smtClean="0">
+                <a:latin typeface="Times New Roman" panose="02020603050405020304" pitchFamily="18" charset="0"/>
+                <a:cs typeface="Times New Roman" panose="02020603050405020304" pitchFamily="18" charset="0"/>
+              </a:rPr>
+              <a:t> Bearings</a:t>
+            </a:r>
+            <a:endParaRPr lang="en-US" dirty="0">
+              <a:latin typeface="Times New Roman" panose="02020603050405020304" pitchFamily="18" charset="0"/>
+              <a:cs typeface="Times New Roman" panose="02020603050405020304" pitchFamily="18" charset="0"/>
+            </a:endParaRPr>
+          </a:p>
+          <a:p>
+            <a:pPr lvl="2"/>
+            <a:r>
+              <a:rPr lang="en-US" dirty="0">
+                <a:latin typeface="Times New Roman" panose="02020603050405020304" pitchFamily="18" charset="0"/>
+                <a:cs typeface="Times New Roman" panose="02020603050405020304" pitchFamily="18" charset="0"/>
+              </a:rPr>
+              <a:t>Output: Whether that test point is Normal or </a:t>
+            </a:r>
+            <a:r>
+              <a:rPr lang="en-US" dirty="0" smtClean="0">
+                <a:latin typeface="Times New Roman" panose="02020603050405020304" pitchFamily="18" charset="0"/>
+                <a:cs typeface="Times New Roman" panose="02020603050405020304" pitchFamily="18" charset="0"/>
+              </a:rPr>
+              <a:t>Anomaly</a:t>
+            </a:r>
+          </a:p>
+          <a:p>
+            <a:r>
+              <a:rPr lang="en-US" dirty="0" smtClean="0">
+                <a:latin typeface="Times New Roman" panose="02020603050405020304" pitchFamily="18" charset="0"/>
+                <a:cs typeface="Times New Roman" panose="02020603050405020304" pitchFamily="18" charset="0"/>
+              </a:rPr>
+              <a:t>RUL Prediction</a:t>
+            </a:r>
+          </a:p>
+          <a:p>
+            <a:pPr lvl="1"/>
+            <a:r>
+              <a:rPr lang="en-US" sz="2000" dirty="0" smtClean="0">
+                <a:latin typeface="Times New Roman" panose="02020603050405020304" pitchFamily="18" charset="0"/>
+                <a:cs typeface="Times New Roman" panose="02020603050405020304" pitchFamily="18" charset="0"/>
+              </a:rPr>
+              <a:t>Predicts the Remaining Useful Life (RUL) in terms of different classes</a:t>
+            </a:r>
+            <a:endParaRPr lang="en-IN" dirty="0" smtClean="0">
+              <a:latin typeface="Times New Roman" panose="02020603050405020304" pitchFamily="18" charset="0"/>
+              <a:cs typeface="Times New Roman" panose="02020603050405020304" pitchFamily="18" charset="0"/>
+            </a:endParaRPr>
+          </a:p>
+        </p:txBody>
+      </p:sp>
+      <p:graphicFrame>
+        <p:nvGraphicFramePr>
+          <p:cNvPr id="4" name="Table 3"/>
+          <p:cNvGraphicFramePr>
+            <a:graphicFrameLocks noGrp="1"/>
+          </p:cNvGraphicFramePr>
+          <p:nvPr>
+            <p:extLst>
+              <p:ext uri="{D42A27DB-BD31-4B8C-83A1-F6EECF244321}">
+                <p14:modId xmlns:p14="http://schemas.microsoft.com/office/powerpoint/2010/main" val="3187920321"/>
+              </p:ext>
+            </p:extLst>
+          </p:nvPr>
+        </p:nvGraphicFramePr>
+        <p:xfrm>
+          <a:off x="1786072" y="4410769"/>
+          <a:ext cx="6810998" cy="2225040"/>
+        </p:xfrm>
+        <a:graphic>
+          <a:graphicData uri="http://schemas.openxmlformats.org/drawingml/2006/table">
+            <a:tbl>
+              <a:tblPr firstRow="1" bandRow="1">
+                <a:tableStyleId>{5C22544A-7EE6-4342-B048-85BDC9FD1C3A}</a:tableStyleId>
+              </a:tblPr>
+              <a:tblGrid>
+                <a:gridCol w="1658103"/>
+                <a:gridCol w="3263176"/>
+                <a:gridCol w="1889719"/>
+              </a:tblGrid>
+              <a:tr h="370840">
+                <a:tc>
+                  <a:txBody>
+                    <a:bodyPr/>
+                    <a:lstStyle/>
+                    <a:p>
+                      <a:pPr algn="ctr"/>
+                      <a:r>
+                        <a:rPr lang="en-US" dirty="0" smtClean="0">
+                          <a:latin typeface="Times New Roman" panose="02020603050405020304" pitchFamily="18" charset="0"/>
+                          <a:cs typeface="Times New Roman" panose="02020603050405020304" pitchFamily="18" charset="0"/>
+                        </a:rPr>
+                        <a:t>Class Name</a:t>
+                      </a:r>
+                      <a:endParaRPr lang="en-IN" dirty="0">
+                        <a:latin typeface="Times New Roman" panose="02020603050405020304" pitchFamily="18" charset="0"/>
+                        <a:cs typeface="Times New Roman" panose="02020603050405020304" pitchFamily="18" charset="0"/>
+                      </a:endParaRPr>
+                    </a:p>
+                  </a:txBody>
+                  <a:tcPr/>
+                </a:tc>
+                <a:tc>
+                  <a:txBody>
+                    <a:bodyPr/>
+                    <a:lstStyle/>
+                    <a:p>
+                      <a:pPr algn="ctr"/>
+                      <a:r>
+                        <a:rPr lang="en-US" dirty="0" smtClean="0">
+                          <a:latin typeface="Times New Roman" panose="02020603050405020304" pitchFamily="18" charset="0"/>
+                          <a:cs typeface="Times New Roman" panose="02020603050405020304" pitchFamily="18" charset="0"/>
+                        </a:rPr>
+                        <a:t>Fraction Failing (Range) (%)</a:t>
+                      </a:r>
+                      <a:endParaRPr lang="en-IN" dirty="0">
+                        <a:latin typeface="Times New Roman" panose="02020603050405020304" pitchFamily="18" charset="0"/>
+                        <a:cs typeface="Times New Roman" panose="02020603050405020304" pitchFamily="18" charset="0"/>
+                      </a:endParaRPr>
+                    </a:p>
+                  </a:txBody>
+                  <a:tcPr/>
+                </a:tc>
+                <a:tc>
+                  <a:txBody>
+                    <a:bodyPr/>
+                    <a:lstStyle/>
+                    <a:p>
+                      <a:pPr algn="ctr"/>
+                      <a:r>
+                        <a:rPr lang="en-US" dirty="0" smtClean="0">
+                          <a:latin typeface="Times New Roman" panose="02020603050405020304" pitchFamily="18" charset="0"/>
+                          <a:cs typeface="Times New Roman" panose="02020603050405020304" pitchFamily="18" charset="0"/>
+                        </a:rPr>
+                        <a:t>RUL (%)</a:t>
+                      </a:r>
+                      <a:endParaRPr lang="en-IN" dirty="0">
+                        <a:latin typeface="Times New Roman" panose="02020603050405020304" pitchFamily="18" charset="0"/>
+                        <a:cs typeface="Times New Roman" panose="02020603050405020304" pitchFamily="18" charset="0"/>
+                      </a:endParaRPr>
+                    </a:p>
+                  </a:txBody>
+                  <a:tcPr/>
+                </a:tc>
+              </a:tr>
+              <a:tr h="370840">
+                <a:tc>
+                  <a:txBody>
+                    <a:bodyPr/>
+                    <a:lstStyle/>
+                    <a:p>
+                      <a:pPr algn="ctr"/>
+                      <a:r>
+                        <a:rPr lang="en-US" b="1" dirty="0" smtClean="0">
+                          <a:latin typeface="Times New Roman" panose="02020603050405020304" pitchFamily="18" charset="0"/>
+                          <a:cs typeface="Times New Roman" panose="02020603050405020304" pitchFamily="18" charset="0"/>
+                        </a:rPr>
+                        <a:t>1</a:t>
+                      </a:r>
+                      <a:endParaRPr lang="en-IN" b="1" dirty="0">
+                        <a:latin typeface="Times New Roman" panose="02020603050405020304" pitchFamily="18" charset="0"/>
+                        <a:cs typeface="Times New Roman" panose="02020603050405020304" pitchFamily="18" charset="0"/>
+                      </a:endParaRPr>
+                    </a:p>
+                  </a:txBody>
+                  <a:tcPr/>
+                </a:tc>
+                <a:tc>
+                  <a:txBody>
+                    <a:bodyPr/>
+                    <a:lstStyle/>
+                    <a:p>
+                      <a:pPr algn="ctr"/>
+                      <a:r>
+                        <a:rPr lang="en-US" dirty="0" smtClean="0">
+                          <a:latin typeface="Times New Roman" panose="02020603050405020304" pitchFamily="18" charset="0"/>
+                          <a:cs typeface="Times New Roman" panose="02020603050405020304" pitchFamily="18" charset="0"/>
+                        </a:rPr>
+                        <a:t>0 – 20 %</a:t>
+                      </a:r>
+                      <a:endParaRPr lang="en-IN" dirty="0">
+                        <a:latin typeface="Times New Roman" panose="02020603050405020304" pitchFamily="18" charset="0"/>
+                        <a:cs typeface="Times New Roman" panose="02020603050405020304" pitchFamily="18" charset="0"/>
+                      </a:endParaRPr>
+                    </a:p>
+                  </a:txBody>
+                  <a:tcPr/>
+                </a:tc>
+                <a:tc>
+                  <a:txBody>
+                    <a:bodyPr/>
+                    <a:lstStyle/>
+                    <a:p>
+                      <a:pPr algn="ctr"/>
+                      <a:r>
+                        <a:rPr lang="en-US" b="1" dirty="0" smtClean="0">
+                          <a:latin typeface="Times New Roman" panose="02020603050405020304" pitchFamily="18" charset="0"/>
+                          <a:cs typeface="Times New Roman" panose="02020603050405020304" pitchFamily="18" charset="0"/>
+                        </a:rPr>
+                        <a:t>80 %</a:t>
+                      </a:r>
+                      <a:endParaRPr lang="en-IN" b="1" dirty="0">
+                        <a:latin typeface="Times New Roman" panose="02020603050405020304" pitchFamily="18" charset="0"/>
+                        <a:cs typeface="Times New Roman" panose="02020603050405020304" pitchFamily="18" charset="0"/>
+                      </a:endParaRPr>
+                    </a:p>
+                  </a:txBody>
+                  <a:tcPr/>
+                </a:tc>
+              </a:tr>
+              <a:tr h="370840">
+                <a:tc>
+                  <a:txBody>
+                    <a:bodyPr/>
+                    <a:lstStyle/>
+                    <a:p>
+                      <a:pPr algn="ctr"/>
+                      <a:r>
+                        <a:rPr lang="en-US" b="1" dirty="0" smtClean="0">
+                          <a:latin typeface="Times New Roman" panose="02020603050405020304" pitchFamily="18" charset="0"/>
+                          <a:cs typeface="Times New Roman" panose="02020603050405020304" pitchFamily="18" charset="0"/>
+                        </a:rPr>
+                        <a:t>2</a:t>
+                      </a:r>
+                      <a:endParaRPr lang="en-IN" b="1" dirty="0">
+                        <a:latin typeface="Times New Roman" panose="02020603050405020304" pitchFamily="18" charset="0"/>
+                        <a:cs typeface="Times New Roman" panose="02020603050405020304" pitchFamily="18" charset="0"/>
+                      </a:endParaRPr>
+                    </a:p>
+                  </a:txBody>
+                  <a:tcPr/>
+                </a:tc>
+                <a:tc>
+                  <a:txBody>
+                    <a:bodyPr/>
+                    <a:lstStyle/>
+                    <a:p>
+                      <a:pPr marL="0" marR="0" indent="0" algn="ctr" defTabSz="914400" rtl="0" eaLnBrk="1" fontAlgn="auto" latinLnBrk="0" hangingPunct="1">
+                        <a:lnSpc>
+                          <a:spcPct val="100000"/>
+                        </a:lnSpc>
+                        <a:spcBef>
+                          <a:spcPts val="0"/>
+                        </a:spcBef>
+                        <a:spcAft>
+                          <a:spcPts val="0"/>
+                        </a:spcAft>
+                        <a:buClrTx/>
+                        <a:buSzTx/>
+                        <a:buFontTx/>
+                        <a:buNone/>
+                        <a:tabLst/>
+                        <a:defRPr/>
+                      </a:pPr>
+                      <a:r>
+                        <a:rPr lang="en-US" dirty="0" smtClean="0">
+                          <a:latin typeface="Times New Roman" panose="02020603050405020304" pitchFamily="18" charset="0"/>
+                          <a:cs typeface="Times New Roman" panose="02020603050405020304" pitchFamily="18" charset="0"/>
+                        </a:rPr>
+                        <a:t>20 – 40 %</a:t>
+                      </a:r>
+                      <a:endParaRPr lang="en-IN" dirty="0" smtClean="0">
+                        <a:latin typeface="Times New Roman" panose="02020603050405020304" pitchFamily="18" charset="0"/>
+                        <a:cs typeface="Times New Roman" panose="02020603050405020304" pitchFamily="18" charset="0"/>
+                      </a:endParaRPr>
+                    </a:p>
+                  </a:txBody>
+                  <a:tcPr/>
+                </a:tc>
+                <a:tc>
+                  <a:txBody>
+                    <a:bodyPr/>
+                    <a:lstStyle/>
+                    <a:p>
+                      <a:pPr algn="ctr"/>
+                      <a:r>
+                        <a:rPr lang="en-US" b="1" dirty="0" smtClean="0">
+                          <a:latin typeface="Times New Roman" panose="02020603050405020304" pitchFamily="18" charset="0"/>
+                          <a:cs typeface="Times New Roman" panose="02020603050405020304" pitchFamily="18" charset="0"/>
+                        </a:rPr>
+                        <a:t>40 %</a:t>
+                      </a:r>
+                      <a:endParaRPr lang="en-IN" b="1" dirty="0">
+                        <a:latin typeface="Times New Roman" panose="02020603050405020304" pitchFamily="18" charset="0"/>
+                        <a:cs typeface="Times New Roman" panose="02020603050405020304" pitchFamily="18" charset="0"/>
+                      </a:endParaRPr>
+                    </a:p>
+                  </a:txBody>
+                  <a:tcPr/>
+                </a:tc>
+              </a:tr>
+              <a:tr h="370840">
+                <a:tc>
+                  <a:txBody>
+                    <a:bodyPr/>
+                    <a:lstStyle/>
+                    <a:p>
+                      <a:pPr algn="ctr"/>
+                      <a:r>
+                        <a:rPr lang="en-US" b="1" dirty="0" smtClean="0">
+                          <a:latin typeface="Times New Roman" panose="02020603050405020304" pitchFamily="18" charset="0"/>
+                          <a:cs typeface="Times New Roman" panose="02020603050405020304" pitchFamily="18" charset="0"/>
+                        </a:rPr>
+                        <a:t>3</a:t>
+                      </a:r>
+                      <a:endParaRPr lang="en-IN" b="1" dirty="0">
+                        <a:latin typeface="Times New Roman" panose="02020603050405020304" pitchFamily="18" charset="0"/>
+                        <a:cs typeface="Times New Roman" panose="02020603050405020304" pitchFamily="18" charset="0"/>
+                      </a:endParaRPr>
+                    </a:p>
+                  </a:txBody>
+                  <a:tcPr/>
+                </a:tc>
+                <a:tc>
+                  <a:txBody>
+                    <a:bodyPr/>
+                    <a:lstStyle/>
+                    <a:p>
+                      <a:pPr marL="0" marR="0" indent="0" algn="ctr" defTabSz="914400" rtl="0" eaLnBrk="1" fontAlgn="auto" latinLnBrk="0" hangingPunct="1">
+                        <a:lnSpc>
+                          <a:spcPct val="100000"/>
+                        </a:lnSpc>
+                        <a:spcBef>
+                          <a:spcPts val="0"/>
+                        </a:spcBef>
+                        <a:spcAft>
+                          <a:spcPts val="0"/>
+                        </a:spcAft>
+                        <a:buClrTx/>
+                        <a:buSzTx/>
+                        <a:buFontTx/>
+                        <a:buNone/>
+                        <a:tabLst/>
+                        <a:defRPr/>
+                      </a:pPr>
+                      <a:r>
+                        <a:rPr lang="en-US" dirty="0" smtClean="0">
+                          <a:latin typeface="Times New Roman" panose="02020603050405020304" pitchFamily="18" charset="0"/>
+                          <a:cs typeface="Times New Roman" panose="02020603050405020304" pitchFamily="18" charset="0"/>
+                        </a:rPr>
+                        <a:t>40 – 60 %</a:t>
+                      </a:r>
+                      <a:endParaRPr lang="en-IN" dirty="0" smtClean="0">
+                        <a:latin typeface="Times New Roman" panose="02020603050405020304" pitchFamily="18" charset="0"/>
+                        <a:cs typeface="Times New Roman" panose="02020603050405020304" pitchFamily="18" charset="0"/>
+                      </a:endParaRPr>
+                    </a:p>
+                  </a:txBody>
+                  <a:tcPr/>
+                </a:tc>
+                <a:tc>
+                  <a:txBody>
+                    <a:bodyPr/>
+                    <a:lstStyle/>
+                    <a:p>
+                      <a:pPr algn="ctr"/>
+                      <a:r>
+                        <a:rPr lang="en-US" b="1" dirty="0" smtClean="0">
+                          <a:latin typeface="Times New Roman" panose="02020603050405020304" pitchFamily="18" charset="0"/>
+                          <a:cs typeface="Times New Roman" panose="02020603050405020304" pitchFamily="18" charset="0"/>
+                        </a:rPr>
+                        <a:t>60 %</a:t>
+                      </a:r>
+                      <a:endParaRPr lang="en-IN" b="1" dirty="0">
+                        <a:latin typeface="Times New Roman" panose="02020603050405020304" pitchFamily="18" charset="0"/>
+                        <a:cs typeface="Times New Roman" panose="02020603050405020304" pitchFamily="18" charset="0"/>
+                      </a:endParaRPr>
+                    </a:p>
+                  </a:txBody>
+                  <a:tcPr/>
+                </a:tc>
+              </a:tr>
+              <a:tr h="370840">
+                <a:tc>
+                  <a:txBody>
+                    <a:bodyPr/>
+                    <a:lstStyle/>
+                    <a:p>
+                      <a:pPr algn="ctr"/>
+                      <a:r>
+                        <a:rPr lang="en-US" b="1" dirty="0" smtClean="0">
+                          <a:latin typeface="Times New Roman" panose="02020603050405020304" pitchFamily="18" charset="0"/>
+                          <a:cs typeface="Times New Roman" panose="02020603050405020304" pitchFamily="18" charset="0"/>
+                        </a:rPr>
+                        <a:t>4</a:t>
+                      </a:r>
+                      <a:endParaRPr lang="en-IN" b="1" dirty="0">
+                        <a:latin typeface="Times New Roman" panose="02020603050405020304" pitchFamily="18" charset="0"/>
+                        <a:cs typeface="Times New Roman" panose="02020603050405020304" pitchFamily="18" charset="0"/>
+                      </a:endParaRPr>
+                    </a:p>
+                  </a:txBody>
+                  <a:tcPr/>
+                </a:tc>
+                <a:tc>
+                  <a:txBody>
+                    <a:bodyPr/>
+                    <a:lstStyle/>
+                    <a:p>
+                      <a:pPr marL="0" marR="0" indent="0" algn="ctr" defTabSz="914400" rtl="0" eaLnBrk="1" fontAlgn="auto" latinLnBrk="0" hangingPunct="1">
+                        <a:lnSpc>
+                          <a:spcPct val="100000"/>
+                        </a:lnSpc>
+                        <a:spcBef>
+                          <a:spcPts val="0"/>
+                        </a:spcBef>
+                        <a:spcAft>
+                          <a:spcPts val="0"/>
+                        </a:spcAft>
+                        <a:buClrTx/>
+                        <a:buSzTx/>
+                        <a:buFontTx/>
+                        <a:buNone/>
+                        <a:tabLst/>
+                        <a:defRPr/>
+                      </a:pPr>
+                      <a:r>
+                        <a:rPr lang="en-US" dirty="0" smtClean="0">
+                          <a:latin typeface="Times New Roman" panose="02020603050405020304" pitchFamily="18" charset="0"/>
+                          <a:cs typeface="Times New Roman" panose="02020603050405020304" pitchFamily="18" charset="0"/>
+                        </a:rPr>
+                        <a:t>60 – 80 %</a:t>
+                      </a:r>
+                      <a:endParaRPr lang="en-IN" dirty="0" smtClean="0">
+                        <a:latin typeface="Times New Roman" panose="02020603050405020304" pitchFamily="18" charset="0"/>
+                        <a:cs typeface="Times New Roman" panose="02020603050405020304" pitchFamily="18" charset="0"/>
+                      </a:endParaRPr>
+                    </a:p>
+                  </a:txBody>
+                  <a:tcPr/>
+                </a:tc>
+                <a:tc>
+                  <a:txBody>
+                    <a:bodyPr/>
+                    <a:lstStyle/>
+                    <a:p>
+                      <a:pPr algn="ctr"/>
+                      <a:r>
+                        <a:rPr lang="en-US" b="1" dirty="0" smtClean="0">
+                          <a:latin typeface="Times New Roman" panose="02020603050405020304" pitchFamily="18" charset="0"/>
+                          <a:cs typeface="Times New Roman" panose="02020603050405020304" pitchFamily="18" charset="0"/>
+                        </a:rPr>
+                        <a:t>20 %</a:t>
+                      </a:r>
+                      <a:endParaRPr lang="en-IN" b="1" dirty="0">
+                        <a:latin typeface="Times New Roman" panose="02020603050405020304" pitchFamily="18" charset="0"/>
+                        <a:cs typeface="Times New Roman" panose="02020603050405020304" pitchFamily="18" charset="0"/>
+                      </a:endParaRPr>
+                    </a:p>
+                  </a:txBody>
+                  <a:tcPr/>
+                </a:tc>
+              </a:tr>
+              <a:tr h="370840">
+                <a:tc>
+                  <a:txBody>
+                    <a:bodyPr/>
+                    <a:lstStyle/>
+                    <a:p>
+                      <a:pPr algn="ctr"/>
+                      <a:r>
+                        <a:rPr lang="en-US" b="1" dirty="0" smtClean="0">
+                          <a:latin typeface="Times New Roman" panose="02020603050405020304" pitchFamily="18" charset="0"/>
+                          <a:cs typeface="Times New Roman" panose="02020603050405020304" pitchFamily="18" charset="0"/>
+                        </a:rPr>
+                        <a:t>5</a:t>
+                      </a:r>
+                      <a:endParaRPr lang="en-IN" b="1" dirty="0">
+                        <a:latin typeface="Times New Roman" panose="02020603050405020304" pitchFamily="18" charset="0"/>
+                        <a:cs typeface="Times New Roman" panose="02020603050405020304" pitchFamily="18" charset="0"/>
+                      </a:endParaRPr>
+                    </a:p>
+                  </a:txBody>
+                  <a:tcPr/>
+                </a:tc>
+                <a:tc>
+                  <a:txBody>
+                    <a:bodyPr/>
+                    <a:lstStyle/>
+                    <a:p>
+                      <a:pPr marL="0" marR="0" indent="0" algn="ctr" defTabSz="914400" rtl="0" eaLnBrk="1" fontAlgn="auto" latinLnBrk="0" hangingPunct="1">
+                        <a:lnSpc>
+                          <a:spcPct val="100000"/>
+                        </a:lnSpc>
+                        <a:spcBef>
+                          <a:spcPts val="0"/>
+                        </a:spcBef>
+                        <a:spcAft>
+                          <a:spcPts val="0"/>
+                        </a:spcAft>
+                        <a:buClrTx/>
+                        <a:buSzTx/>
+                        <a:buFontTx/>
+                        <a:buNone/>
+                        <a:tabLst/>
+                        <a:defRPr/>
+                      </a:pPr>
+                      <a:r>
+                        <a:rPr lang="en-US" dirty="0" smtClean="0">
+                          <a:latin typeface="Times New Roman" panose="02020603050405020304" pitchFamily="18" charset="0"/>
+                          <a:cs typeface="Times New Roman" panose="02020603050405020304" pitchFamily="18" charset="0"/>
+                        </a:rPr>
+                        <a:t>80 – 100 %</a:t>
+                      </a:r>
+                      <a:endParaRPr lang="en-IN" dirty="0" smtClean="0">
+                        <a:latin typeface="Times New Roman" panose="02020603050405020304" pitchFamily="18" charset="0"/>
+                        <a:cs typeface="Times New Roman" panose="02020603050405020304" pitchFamily="18" charset="0"/>
+                      </a:endParaRPr>
+                    </a:p>
+                  </a:txBody>
+                  <a:tcPr/>
+                </a:tc>
+                <a:tc>
+                  <a:txBody>
+                    <a:bodyPr/>
+                    <a:lstStyle/>
+                    <a:p>
+                      <a:pPr algn="ctr"/>
+                      <a:r>
+                        <a:rPr lang="en-US" b="1" dirty="0" smtClean="0">
+                          <a:latin typeface="Times New Roman" panose="02020603050405020304" pitchFamily="18" charset="0"/>
+                          <a:cs typeface="Times New Roman" panose="02020603050405020304" pitchFamily="18" charset="0"/>
+                        </a:rPr>
+                        <a:t>&lt; 20 %</a:t>
+                      </a:r>
+                      <a:endParaRPr lang="en-IN" b="1" dirty="0">
+                        <a:latin typeface="Times New Roman" panose="02020603050405020304" pitchFamily="18" charset="0"/>
+                        <a:cs typeface="Times New Roman" panose="02020603050405020304" pitchFamily="18" charset="0"/>
+                      </a:endParaRPr>
+                    </a:p>
+                  </a:txBody>
+                  <a:tcPr/>
+                </a:tc>
+              </a:tr>
+            </a:tbl>
+          </a:graphicData>
+        </a:graphic>
+      </p:graphicFrame>
+    </p:spTree>
+    <p:extLst>
+      <p:ext uri="{BB962C8B-B14F-4D97-AF65-F5344CB8AC3E}">
+        <p14:creationId xmlns:p14="http://schemas.microsoft.com/office/powerpoint/2010/main" val="3095574000"/>
       </p:ext>
     </p:extLst>
   </p:cSld>
